--- a/S05 Principe Fondamental de la Statique/TD04 Calcul d'intégrales/img/Frein.pptx
+++ b/S05 Principe Fondamental de la Statique/TD04 Calcul d'intégrales/img/Frein.pptx
@@ -155,7 +155,7 @@
         <p:txBody>
           <a:bodyPr/>
           <a:p>
-            <a:fld id="{4A6899C1-7576-459E-9995-AC96123B651E}" type="slidenum">
+            <a:fld id="{80FD7838-9572-45FC-9743-341AC9D48D7C}" type="slidenum">
               <a:t>&lt;#&gt;</a:t>
             </a:fld>
           </a:p>
@@ -238,7 +238,7 @@
         <p:txBody>
           <a:bodyPr/>
           <a:p>
-            <a:fld id="{78ED0215-2BA6-4F0E-9718-810961DFE69B}" type="slidenum">
+            <a:fld id="{6437D152-541B-4E6D-8CB4-C21EE12C545D}" type="slidenum">
               <a:t>&lt;#&gt;</a:t>
             </a:fld>
           </a:p>
@@ -321,7 +321,7 @@
         <p:txBody>
           <a:bodyPr/>
           <a:p>
-            <a:fld id="{FB880991-8D65-4343-94A3-F906424B98AD}" type="slidenum">
+            <a:fld id="{EEF989E8-6ABE-48BC-BE5F-AEC02B4BAA15}" type="slidenum">
               <a:t>&lt;#&gt;</a:t>
             </a:fld>
           </a:p>
@@ -404,7 +404,7 @@
         <p:txBody>
           <a:bodyPr/>
           <a:p>
-            <a:fld id="{6F1BF181-8B2B-41E3-9D18-61D70B402734}" type="slidenum">
+            <a:fld id="{3C54C5D6-04A7-4049-879E-1A480AD54750}" type="slidenum">
               <a:t>&lt;#&gt;</a:t>
             </a:fld>
           </a:p>
@@ -487,7 +487,7 @@
         <p:txBody>
           <a:bodyPr/>
           <a:p>
-            <a:fld id="{17BA47CE-1D75-43E1-A849-8D84A2D8D2DA}" type="slidenum">
+            <a:fld id="{2A70BC54-8F9B-4BF0-BCAB-2B08F2F115AE}" type="slidenum">
               <a:t>&lt;#&gt;</a:t>
             </a:fld>
           </a:p>
@@ -656,7 +656,7 @@
         <p:txBody>
           <a:bodyPr/>
           <a:p>
-            <a:fld id="{D2F51F77-E74A-478F-A625-BADA7C5185AB}" type="slidenum">
+            <a:fld id="{D3CAF202-82F2-41F0-BF47-D4F4406C8438}" type="slidenum">
               <a:t>&lt;#&gt;</a:t>
             </a:fld>
           </a:p>
@@ -739,7 +739,7 @@
         <p:txBody>
           <a:bodyPr/>
           <a:p>
-            <a:fld id="{33E418A7-193D-435E-A7B3-9C5DDDDBAAC2}" type="slidenum">
+            <a:fld id="{3B170C0A-7734-4C5A-8BF8-607E56FA7E69}" type="slidenum">
               <a:t>&lt;#&gt;</a:t>
             </a:fld>
           </a:p>
@@ -954,7 +954,7 @@
         <p:txBody>
           <a:bodyPr/>
           <a:p>
-            <a:fld id="{237375ED-151A-4E38-9DB4-B42365FE23CC}" type="slidenum">
+            <a:fld id="{771E53DD-E30D-492E-8AD1-EC8955C3B334}" type="slidenum">
               <a:t>&lt;#&gt;</a:t>
             </a:fld>
           </a:p>
@@ -1037,7 +1037,7 @@
         <p:txBody>
           <a:bodyPr/>
           <a:p>
-            <a:fld id="{2D19DD4A-4300-4A5D-B167-529E4DE6ABA6}" type="slidenum">
+            <a:fld id="{25E0D0AC-CC20-448E-8465-8D8B4F287506}" type="slidenum">
               <a:t>&lt;#&gt;</a:t>
             </a:fld>
           </a:p>
@@ -1160,7 +1160,7 @@
         <p:txBody>
           <a:bodyPr/>
           <a:p>
-            <a:fld id="{E7DA5330-5316-4666-88F0-6D91B4EAADD5}" type="slidenum">
+            <a:fld id="{573A426B-9FCC-41C4-A5DC-0C526FAE78B5}" type="slidenum">
               <a:t>&lt;#&gt;</a:t>
             </a:fld>
           </a:p>
@@ -1243,7 +1243,7 @@
         <p:txBody>
           <a:bodyPr/>
           <a:p>
-            <a:fld id="{DF99E95B-AD5D-42D6-8C07-A4BE1C415C79}" type="slidenum">
+            <a:fld id="{2AE47035-15BC-484E-9C58-71B2D01A68DB}" type="slidenum">
               <a:t>&lt;#&gt;</a:t>
             </a:fld>
           </a:p>
@@ -1340,7 +1340,106 @@
                 </a:solidFill>
                 <a:latin typeface="Calibri Light"/>
               </a:rPr>
-              <a:t>Click to edit Master title style</a:t>
+              <a:t>Cli</a:t>
+            </a:r>
+            <a:r>
+              <a:rPr b="0" lang="en-US" sz="6000" spc="-1" strike="noStrike">
+                <a:solidFill>
+                  <a:schemeClr val="dk1"/>
+                </a:solidFill>
+                <a:latin typeface="Calibri Light"/>
+              </a:rPr>
+              <a:t>ck </a:t>
+            </a:r>
+            <a:r>
+              <a:rPr b="0" lang="en-US" sz="6000" spc="-1" strike="noStrike">
+                <a:solidFill>
+                  <a:schemeClr val="dk1"/>
+                </a:solidFill>
+                <a:latin typeface="Calibri Light"/>
+              </a:rPr>
+              <a:t>to </a:t>
+            </a:r>
+            <a:r>
+              <a:rPr b="0" lang="en-US" sz="6000" spc="-1" strike="noStrike">
+                <a:solidFill>
+                  <a:schemeClr val="dk1"/>
+                </a:solidFill>
+                <a:latin typeface="Calibri Light"/>
+              </a:rPr>
+              <a:t>edi</a:t>
+            </a:r>
+            <a:r>
+              <a:rPr b="0" lang="en-US" sz="6000" spc="-1" strike="noStrike">
+                <a:solidFill>
+                  <a:schemeClr val="dk1"/>
+                </a:solidFill>
+                <a:latin typeface="Calibri Light"/>
+              </a:rPr>
+              <a:t>t </a:t>
+            </a:r>
+            <a:r>
+              <a:rPr b="0" lang="en-US" sz="6000" spc="-1" strike="noStrike">
+                <a:solidFill>
+                  <a:schemeClr val="dk1"/>
+                </a:solidFill>
+                <a:latin typeface="Calibri Light"/>
+              </a:rPr>
+              <a:t>Ma</a:t>
+            </a:r>
+            <a:r>
+              <a:rPr b="0" lang="en-US" sz="6000" spc="-1" strike="noStrike">
+                <a:solidFill>
+                  <a:schemeClr val="dk1"/>
+                </a:solidFill>
+                <a:latin typeface="Calibri Light"/>
+              </a:rPr>
+              <a:t>ste</a:t>
+            </a:r>
+            <a:r>
+              <a:rPr b="0" lang="en-US" sz="6000" spc="-1" strike="noStrike">
+                <a:solidFill>
+                  <a:schemeClr val="dk1"/>
+                </a:solidFill>
+                <a:latin typeface="Calibri Light"/>
+              </a:rPr>
+              <a:t>r </a:t>
+            </a:r>
+            <a:r>
+              <a:rPr b="0" lang="en-US" sz="6000" spc="-1" strike="noStrike">
+                <a:solidFill>
+                  <a:schemeClr val="dk1"/>
+                </a:solidFill>
+                <a:latin typeface="Calibri Light"/>
+              </a:rPr>
+              <a:t>titl</a:t>
+            </a:r>
+            <a:r>
+              <a:rPr b="0" lang="en-US" sz="6000" spc="-1" strike="noStrike">
+                <a:solidFill>
+                  <a:schemeClr val="dk1"/>
+                </a:solidFill>
+                <a:latin typeface="Calibri Light"/>
+              </a:rPr>
+              <a:t>e </a:t>
+            </a:r>
+            <a:r>
+              <a:rPr b="0" lang="en-US" sz="6000" spc="-1" strike="noStrike">
+                <a:solidFill>
+                  <a:schemeClr val="dk1"/>
+                </a:solidFill>
+                <a:latin typeface="Calibri Light"/>
+              </a:rPr>
+              <a:t>sty</a:t>
+            </a:r>
+            <a:r>
+              <a:rPr b="0" lang="en-US" sz="6000" spc="-1" strike="noStrike">
+                <a:solidFill>
+                  <a:schemeClr val="dk1"/>
+                </a:solidFill>
+                <a:latin typeface="Calibri Light"/>
+              </a:rPr>
+              <a:t>le</a:t>
             </a:r>
             <a:endParaRPr b="0" lang="fr-FR" sz="6000" spc="-1" strike="noStrike">
               <a:solidFill>
@@ -1410,7 +1509,7 @@
                 </a:solidFill>
                 <a:latin typeface="Calibri"/>
               </a:rPr>
-              <a:t> </a:t>
+              <a:t>&lt;date/heure&gt;</a:t>
             </a:r>
             <a:endParaRPr b="0" lang="fr-FR" sz="1200" spc="-1" strike="noStrike">
               <a:solidFill>
@@ -1470,7 +1569,7 @@
                 </a:solidFill>
                 <a:latin typeface="Times New Roman"/>
               </a:rPr>
-              <a:t> </a:t>
+              <a:t>&lt;pied de page&gt;</a:t>
             </a:r>
             <a:endParaRPr b="0" lang="fr-FR" sz="1400" spc="-1" strike="noStrike">
               <a:solidFill>
@@ -1531,7 +1630,7 @@
               </a:lnSpc>
               <a:buNone/>
             </a:pPr>
-            <a:fld id="{1A2A34BD-62C3-4E49-A422-2D1C47857D13}" type="slidenum">
+            <a:fld id="{13177022-EE4C-446F-9DCF-90CCFD3F2933}" type="slidenum">
               <a:rPr b="0" lang="fr-FR" sz="1200" spc="-1" strike="noStrike">
                 <a:solidFill>
                   <a:schemeClr val="dk1">
@@ -1540,7 +1639,7 @@
                 </a:solidFill>
                 <a:latin typeface="Calibri"/>
               </a:rPr>
-              <a:t>3</a:t>
+              <a:t>&lt;numéro&gt;</a:t>
             </a:fld>
             <a:endParaRPr b="0" lang="fr-FR" sz="1200" spc="-1" strike="noStrike">
               <a:solidFill>
@@ -2299,7 +2398,7 @@
               </a:lnSpc>
               <a:buNone/>
             </a:pPr>
-            <a:fld id="{6B77F45F-EA20-4C0C-8550-22C5B0AC2E64}" type="slidenum">
+            <a:fld id="{AE627A54-3C51-4DFA-8CEC-B04F6C17CA01}" type="slidenum">
               <a:rPr b="0" lang="fr-FR" sz="1200" spc="-1" strike="noStrike">
                 <a:solidFill>
                   <a:schemeClr val="dk1">
@@ -2888,7 +2987,7 @@
               </a:lnSpc>
               <a:buNone/>
             </a:pPr>
-            <a:fld id="{C5D1F063-D390-4546-9922-C389909AA54D}" type="slidenum">
+            <a:fld id="{0F0EFFA2-16A7-4DDF-998A-7877602E0043}" type="slidenum">
               <a:rPr b="0" lang="fr-FR" sz="1200" spc="-1" strike="noStrike">
                 <a:solidFill>
                   <a:schemeClr val="dk1">
@@ -3352,7 +3451,7 @@
               </a:lnSpc>
               <a:buNone/>
             </a:pPr>
-            <a:fld id="{C38BBACB-87D8-4EA0-A37F-E53D9BF0411E}" type="slidenum">
+            <a:fld id="{BF2ECEBE-1EF1-40F1-B080-CD06F725F22F}" type="slidenum">
               <a:rPr b="0" lang="fr-FR" sz="1200" spc="-1" strike="noStrike">
                 <a:solidFill>
                   <a:schemeClr val="dk1">
@@ -3816,7 +3915,7 @@
               </a:lnSpc>
               <a:buNone/>
             </a:pPr>
-            <a:fld id="{2FF85254-9ECC-4501-BEF5-47602382ACA9}" type="slidenum">
+            <a:fld id="{CE5CC75B-C724-4739-8804-BE7080873EC1}" type="slidenum">
               <a:rPr b="0" lang="fr-FR" sz="1200" spc="-1" strike="noStrike">
                 <a:solidFill>
                   <a:schemeClr val="dk1">
@@ -4280,7 +4379,7 @@
               </a:lnSpc>
               <a:buNone/>
             </a:pPr>
-            <a:fld id="{8472C046-76AA-4B81-BF7B-2E256110AC92}" type="slidenum">
+            <a:fld id="{69089F43-DDE7-4A8D-9F68-DC033BB6F5DF}" type="slidenum">
               <a:rPr b="0" lang="fr-FR" sz="1200" spc="-1" strike="noStrike">
                 <a:solidFill>
                   <a:schemeClr val="dk1">
@@ -4625,7 +4724,7 @@
               </a:lnSpc>
               <a:buNone/>
             </a:pPr>
-            <a:fld id="{C6D91012-ADFA-4B95-997A-0B86492AF682}" type="slidenum">
+            <a:fld id="{50453C3A-DB47-431F-A394-070E4DBD6750}" type="slidenum">
               <a:rPr b="0" lang="fr-FR" sz="1200" spc="-1" strike="noStrike">
                 <a:solidFill>
                   <a:schemeClr val="dk1">
@@ -5268,7 +5367,7 @@
               </a:lnSpc>
               <a:buNone/>
             </a:pPr>
-            <a:fld id="{E6EDF6DC-21FC-452E-87BF-9C86A9EC85C8}" type="slidenum">
+            <a:fld id="{3D839ABA-C244-4670-A69C-B8C9835C5F14}" type="slidenum">
               <a:rPr b="0" lang="fr-FR" sz="1200" spc="-1" strike="noStrike">
                 <a:solidFill>
                   <a:schemeClr val="dk1">
@@ -6027,7 +6126,7 @@
               </a:lnSpc>
               <a:buNone/>
             </a:pPr>
-            <a:fld id="{3C5A0338-A25C-4170-9D39-6B5E53FA83E7}" type="slidenum">
+            <a:fld id="{D2F77227-0E54-4724-AC5D-DA0FBFFE33C8}" type="slidenum">
               <a:rPr b="0" lang="fr-FR" sz="1200" spc="-1" strike="noStrike">
                 <a:solidFill>
                   <a:schemeClr val="dk1">
@@ -6312,7 +6411,7 @@
               </a:lnSpc>
               <a:buNone/>
             </a:pPr>
-            <a:fld id="{C6A2F378-576F-4DEB-BFAF-D417862C9A7E}" type="slidenum">
+            <a:fld id="{D79660A2-4527-42DD-9BFC-78337575FBED}" type="slidenum">
               <a:rPr b="0" lang="fr-FR" sz="1200" spc="-1" strike="noStrike">
                 <a:solidFill>
                   <a:schemeClr val="dk1">
@@ -6545,7 +6644,7 @@
               </a:lnSpc>
               <a:buNone/>
             </a:pPr>
-            <a:fld id="{800881B6-6FD7-4E9D-ACAD-DDCD6A8D2C6D}" type="slidenum">
+            <a:fld id="{EE4249AA-8AF1-41EB-9F9B-68BD136DE5FA}" type="slidenum">
               <a:rPr b="0" lang="fr-FR" sz="1200" spc="-1" strike="noStrike">
                 <a:solidFill>
                   <a:schemeClr val="dk1">
@@ -6665,8 +6764,8 @@
           </a:xfrm>
           <a:prstGeom prst="pie">
             <a:avLst>
-              <a:gd name="adj1" fmla="val 10796315"/>
-              <a:gd name="adj2" fmla="val 16200000"/>
+              <a:gd name="adj1" fmla="val 11601958"/>
+              <a:gd name="adj2" fmla="val 15542746"/>
             </a:avLst>
           </a:prstGeom>
           <a:solidFill>
@@ -6726,7 +6825,7 @@
           </a:xfrm>
           <a:prstGeom prst="pie">
             <a:avLst>
-              <a:gd name="adj1" fmla="val 10796315"/>
+              <a:gd name="adj1" fmla="val 11457549"/>
               <a:gd name="adj2" fmla="val 16200000"/>
             </a:avLst>
           </a:prstGeom>
@@ -6791,8 +6890,8 @@
           </a:xfrm>
           <a:prstGeom prst="arc">
             <a:avLst>
-              <a:gd name="adj1" fmla="val 10802187"/>
-              <a:gd name="adj2" fmla="val 16203897"/>
+              <a:gd name="adj1" fmla="val 11669542"/>
+              <a:gd name="adj2" fmla="val 15559242"/>
             </a:avLst>
           </a:prstGeom>
           <a:noFill/>
@@ -6835,65 +6934,15 @@
           </a:p>
         </p:txBody>
       </p:sp>
-      <p:cxnSp>
-        <p:nvCxnSpPr>
-          <p:cNvPr id="70" name="Straight Arrow Connector 11"/>
-          <p:cNvCxnSpPr/>
-          <p:nvPr/>
-        </p:nvCxnSpPr>
-        <p:spPr>
-          <a:xfrm flipH="1">
-            <a:off x="3571200" y="3171600"/>
-            <a:ext cx="1701000" cy="360"/>
-          </a:xfrm>
-          <a:prstGeom prst="straightConnector1">
-            <a:avLst/>
-          </a:prstGeom>
-          <a:ln w="28575">
-            <a:solidFill>
-              <a:srgbClr val="4472c4">
-                <a:lumMod val="50000"/>
-              </a:srgbClr>
-            </a:solidFill>
-            <a:headEnd len="lg" type="triangle" w="lg"/>
-            <a:tailEnd len="lg" type="triangle" w="lg"/>
-          </a:ln>
-        </p:spPr>
-      </p:cxnSp>
-      <p:cxnSp>
-        <p:nvCxnSpPr>
-          <p:cNvPr id="71" name="Straight Arrow Connector 12"/>
-          <p:cNvCxnSpPr/>
-          <p:nvPr/>
-        </p:nvCxnSpPr>
-        <p:spPr>
-          <a:xfrm flipH="1">
-            <a:off x="2983680" y="3425760"/>
-            <a:ext cx="2270520" cy="360"/>
-          </a:xfrm>
-          <a:prstGeom prst="straightConnector1">
-            <a:avLst/>
-          </a:prstGeom>
-          <a:ln w="28575">
-            <a:solidFill>
-              <a:srgbClr val="4472c4">
-                <a:lumMod val="50000"/>
-              </a:srgbClr>
-            </a:solidFill>
-            <a:headEnd len="lg" type="triangle" w="lg"/>
-            <a:tailEnd len="lg" type="triangle" w="lg"/>
-          </a:ln>
-        </p:spPr>
-      </p:cxnSp>
-      <p:sp>
-        <p:nvSpPr>
-          <p:cNvPr id="72" name="TextBox 14"/>
+      <p:sp>
+        <p:nvSpPr>
+          <p:cNvPr id="70" name="TextBox 14"/>
           <p:cNvSpPr/>
           <p:nvPr/>
         </p:nvSpPr>
         <p:spPr>
           <a:xfrm>
-            <a:off x="3849480" y="3425400"/>
+            <a:off x="3767400" y="2872440"/>
             <a:ext cx="720720" cy="455400"/>
           </a:xfrm>
           <a:prstGeom prst="rect">
@@ -6942,13 +6991,13 @@
       </p:sp>
       <p:sp>
         <p:nvSpPr>
-          <p:cNvPr id="73" name="TextBox 15"/>
+          <p:cNvPr id="71" name="TextBox 15"/>
           <p:cNvSpPr/>
           <p:nvPr/>
         </p:nvSpPr>
         <p:spPr>
           <a:xfrm>
-            <a:off x="4147560" y="2721600"/>
+            <a:off x="4506120" y="2266200"/>
             <a:ext cx="565200" cy="455400"/>
           </a:xfrm>
           <a:prstGeom prst="rect">
@@ -6997,7 +7046,7 @@
       </p:sp>
       <p:sp>
         <p:nvSpPr>
-          <p:cNvPr id="74" name="TextBox 4"/>
+          <p:cNvPr id="72" name="TextBox 4"/>
           <p:cNvSpPr/>
           <p:nvPr/>
         </p:nvSpPr>
@@ -7052,7 +7101,7 @@
       </p:sp>
       <p:sp>
         <p:nvSpPr>
-          <p:cNvPr id="75" name="TextBox 13"/>
+          <p:cNvPr id="73" name="TextBox 13"/>
           <p:cNvSpPr/>
           <p:nvPr/>
         </p:nvSpPr>
@@ -7107,9 +7156,9 @@
       </p:sp>
       <p:cxnSp>
         <p:nvCxnSpPr>
-          <p:cNvPr id="76" name="Straight Arrow Connector 6"/>
+          <p:cNvPr id="74" name="Straight Arrow Connector 6"/>
           <p:cNvCxnSpPr>
-            <a:stCxn id="75" idx="2"/>
+            <a:stCxn id="73" idx="2"/>
           </p:cNvCxnSpPr>
           <p:nvPr/>
         </p:nvCxnSpPr>
@@ -7133,9 +7182,9 @@
       </p:cxnSp>
       <p:cxnSp>
         <p:nvCxnSpPr>
-          <p:cNvPr id="77" name="Straight Arrow Connector 16"/>
+          <p:cNvPr id="75" name="Straight Arrow Connector 16"/>
           <p:cNvCxnSpPr>
-            <a:stCxn id="74" idx="1"/>
+            <a:stCxn id="72" idx="1"/>
           </p:cNvCxnSpPr>
           <p:nvPr/>
         </p:nvCxnSpPr>
@@ -7157,6 +7206,90 @@
           </a:ln>
         </p:spPr>
       </p:cxnSp>
+      <p:sp>
+        <p:nvSpPr>
+          <p:cNvPr id="76" name=""/>
+          <p:cNvSpPr/>
+          <p:nvPr/>
+        </p:nvSpPr>
+        <p:spPr>
+          <a:xfrm>
+            <a:off x="4035240" y="2017800"/>
+            <a:ext cx="1218600" cy="1407960"/>
+          </a:xfrm>
+          <a:prstGeom prst="line">
+            <a:avLst/>
+          </a:prstGeom>
+          <a:ln w="0">
+            <a:solidFill>
+              <a:srgbClr val="3465a4"/>
+            </a:solidFill>
+            <a:headEnd len="med" type="triangle" w="med"/>
+            <a:tailEnd len="med" type="triangle" w="med"/>
+          </a:ln>
+        </p:spPr>
+        <p:style>
+          <a:lnRef idx="0"/>
+          <a:fillRef idx="0"/>
+          <a:effectRef idx="0"/>
+          <a:fontRef idx="minor"/>
+        </p:style>
+        <p:txBody>
+          <a:bodyPr lIns="90000" rIns="90000" tIns="45000" bIns="45000" anchor="ctr">
+            <a:noAutofit/>
+          </a:bodyPr>
+          <a:p>
+            <a:endParaRPr b="0" lang="fr-FR" sz="1800" spc="-1" strike="noStrike">
+              <a:solidFill>
+                <a:srgbClr val="000000"/>
+              </a:solidFill>
+              <a:latin typeface="Arial"/>
+            </a:endParaRPr>
+          </a:p>
+        </p:txBody>
+      </p:sp>
+      <p:sp>
+        <p:nvSpPr>
+          <p:cNvPr id="77" name=""/>
+          <p:cNvSpPr/>
+          <p:nvPr/>
+        </p:nvSpPr>
+        <p:spPr>
+          <a:xfrm>
+            <a:off x="3267360" y="2151000"/>
+            <a:ext cx="1986840" cy="1275120"/>
+          </a:xfrm>
+          <a:prstGeom prst="line">
+            <a:avLst/>
+          </a:prstGeom>
+          <a:ln w="0">
+            <a:solidFill>
+              <a:srgbClr val="3465a4"/>
+            </a:solidFill>
+            <a:headEnd len="med" type="triangle" w="med"/>
+            <a:tailEnd len="med" type="triangle" w="med"/>
+          </a:ln>
+        </p:spPr>
+        <p:style>
+          <a:lnRef idx="0"/>
+          <a:fillRef idx="0"/>
+          <a:effectRef idx="0"/>
+          <a:fontRef idx="minor"/>
+        </p:style>
+        <p:txBody>
+          <a:bodyPr lIns="90000" rIns="90000" tIns="45000" bIns="45000" anchor="ctr">
+            <a:noAutofit/>
+          </a:bodyPr>
+          <a:p>
+            <a:endParaRPr b="0" lang="fr-FR" sz="1800" spc="-1" strike="noStrike">
+              <a:solidFill>
+                <a:srgbClr val="000000"/>
+              </a:solidFill>
+              <a:latin typeface="Arial"/>
+            </a:endParaRPr>
+          </a:p>
+        </p:txBody>
+      </p:sp>
     </p:spTree>
   </p:cSld>
   <mc:AlternateContent>
